--- a/doc/Documentazione/Progettazione/Introduzione.pptx
+++ b/doc/Documentazione/Progettazione/Introduzione.pptx
@@ -4014,7 +4014,7 @@
           <a:p>
             <a:fld id="{AF869721-F543-4A6C-BF9D-65D7CC540427}" type="datetimeFigureOut">
               <a:rPr lang="en-US" smtClean="0"/>
-              <a:t>12/5/2022</a:t>
+              <a:t>12/13/2022</a:t>
             </a:fld>
             <a:endParaRPr lang="en-US" dirty="0"/>
           </a:p>
@@ -4191,7 +4191,7 @@
           <a:p>
             <a:fld id="{C732326A-4C88-4AFB-AA5B-5919D81DFF5B}" type="datetimeFigureOut">
               <a:rPr lang="en-US" smtClean="0"/>
-              <a:t>12/5/2022</a:t>
+              <a:t>12/13/2022</a:t>
             </a:fld>
             <a:endParaRPr lang="en-US" dirty="0"/>
           </a:p>
@@ -4956,7 +4956,7 @@
             <a:fld id="{B61BEF0D-F0BB-DE4B-95CE-6DB70DBA9567}" type="datetimeFigureOut">
               <a:rPr lang="en-US" smtClean="0"/>
               <a:pPr/>
-              <a:t>12/5/2022</a:t>
+              <a:t>12/13/2022</a:t>
             </a:fld>
             <a:endParaRPr lang="en-US" dirty="0"/>
           </a:p>
@@ -5220,7 +5220,7 @@
             <a:fld id="{B61BEF0D-F0BB-DE4B-95CE-6DB70DBA9567}" type="datetimeFigureOut">
               <a:rPr lang="en-US" smtClean="0"/>
               <a:pPr/>
-              <a:t>12/5/2022</a:t>
+              <a:t>12/13/2022</a:t>
             </a:fld>
             <a:endParaRPr lang="en-US" dirty="0"/>
           </a:p>
@@ -5457,7 +5457,7 @@
             <a:fld id="{B61BEF0D-F0BB-DE4B-95CE-6DB70DBA9567}" type="datetimeFigureOut">
               <a:rPr lang="en-US" smtClean="0"/>
               <a:pPr/>
-              <a:t>12/5/2022</a:t>
+              <a:t>12/13/2022</a:t>
             </a:fld>
             <a:endParaRPr lang="en-US" dirty="0"/>
           </a:p>
@@ -5699,7 +5699,7 @@
             <a:fld id="{B61BEF0D-F0BB-DE4B-95CE-6DB70DBA9567}" type="datetimeFigureOut">
               <a:rPr lang="en-US" smtClean="0"/>
               <a:pPr/>
-              <a:t>12/5/2022</a:t>
+              <a:t>12/13/2022</a:t>
             </a:fld>
             <a:endParaRPr lang="en-US" dirty="0"/>
           </a:p>
@@ -6008,7 +6008,7 @@
             <a:fld id="{B61BEF0D-F0BB-DE4B-95CE-6DB70DBA9567}" type="datetimeFigureOut">
               <a:rPr lang="en-US" smtClean="0"/>
               <a:pPr/>
-              <a:t>12/5/2022</a:t>
+              <a:t>12/13/2022</a:t>
             </a:fld>
             <a:endParaRPr lang="en-US" dirty="0"/>
           </a:p>
@@ -6312,7 +6312,7 @@
             <a:fld id="{B61BEF0D-F0BB-DE4B-95CE-6DB70DBA9567}" type="datetimeFigureOut">
               <a:rPr lang="en-US" smtClean="0"/>
               <a:pPr/>
-              <a:t>12/5/2022</a:t>
+              <a:t>12/13/2022</a:t>
             </a:fld>
             <a:endParaRPr lang="en-US" dirty="0"/>
           </a:p>
@@ -6736,7 +6736,7 @@
             <a:fld id="{B61BEF0D-F0BB-DE4B-95CE-6DB70DBA9567}" type="datetimeFigureOut">
               <a:rPr lang="en-US" smtClean="0"/>
               <a:pPr/>
-              <a:t>12/5/2022</a:t>
+              <a:t>12/13/2022</a:t>
             </a:fld>
             <a:endParaRPr lang="en-US" dirty="0"/>
           </a:p>
@@ -6833,7 +6833,7 @@
             <a:fld id="{B61BEF0D-F0BB-DE4B-95CE-6DB70DBA9567}" type="datetimeFigureOut">
               <a:rPr lang="en-US" smtClean="0"/>
               <a:pPr/>
-              <a:t>12/5/2022</a:t>
+              <a:t>12/13/2022</a:t>
             </a:fld>
             <a:endParaRPr lang="en-US" dirty="0"/>
           </a:p>
@@ -6997,7 +6997,7 @@
             <a:fld id="{B61BEF0D-F0BB-DE4B-95CE-6DB70DBA9567}" type="datetimeFigureOut">
               <a:rPr lang="en-US" smtClean="0"/>
               <a:pPr/>
-              <a:t>12/5/2022</a:t>
+              <a:t>12/13/2022</a:t>
             </a:fld>
             <a:endParaRPr lang="en-US" dirty="0"/>
           </a:p>
@@ -7377,7 +7377,7 @@
             <a:fld id="{B61BEF0D-F0BB-DE4B-95CE-6DB70DBA9567}" type="datetimeFigureOut">
               <a:rPr lang="en-US" smtClean="0"/>
               <a:pPr/>
-              <a:t>12/5/2022</a:t>
+              <a:t>12/13/2022</a:t>
             </a:fld>
             <a:endParaRPr lang="en-US" dirty="0"/>
           </a:p>
@@ -7668,7 +7668,7 @@
             <a:fld id="{B61BEF0D-F0BB-DE4B-95CE-6DB70DBA9567}" type="datetimeFigureOut">
               <a:rPr lang="en-US" smtClean="0"/>
               <a:pPr/>
-              <a:t>12/5/2022</a:t>
+              <a:t>12/13/2022</a:t>
             </a:fld>
             <a:endParaRPr lang="en-US" dirty="0"/>
           </a:p>
@@ -7881,7 +7881,7 @@
             <a:fld id="{B61BEF0D-F0BB-DE4B-95CE-6DB70DBA9567}" type="datetimeFigureOut">
               <a:rPr lang="en-US" smtClean="0"/>
               <a:pPr/>
-              <a:t>12/5/2022</a:t>
+              <a:t>12/13/2022</a:t>
             </a:fld>
             <a:endParaRPr lang="en-US" dirty="0"/>
           </a:p>
@@ -10281,12 +10281,26 @@
         </p:blipFill>
         <p:spPr>
           <a:xfrm>
-            <a:off x="910938" y="2247174"/>
+            <a:off x="910938" y="2247173"/>
             <a:ext cx="1992537" cy="4318218"/>
           </a:xfrm>
           <a:prstGeom prst="rect">
             <a:avLst/>
           </a:prstGeom>
+          <a:ln w="38100" cap="sq">
+            <a:solidFill>
+              <a:srgbClr val="000000"/>
+            </a:solidFill>
+            <a:prstDash val="solid"/>
+            <a:miter lim="800000"/>
+          </a:ln>
+          <a:effectLst>
+            <a:outerShdw blurRad="50800" dist="38100" dir="2700000" algn="tl" rotWithShape="0">
+              <a:srgbClr val="000000">
+                <a:alpha val="43000"/>
+              </a:srgbClr>
+            </a:outerShdw>
+          </a:effectLst>
         </p:spPr>
       </p:pic>
       <p:pic>
@@ -10311,12 +10325,26 @@
         </p:blipFill>
         <p:spPr>
           <a:xfrm>
-            <a:off x="3221456" y="2247174"/>
-            <a:ext cx="2056543" cy="4456932"/>
+            <a:off x="3482034" y="2247172"/>
+            <a:ext cx="1992538" cy="4318221"/>
           </a:xfrm>
           <a:prstGeom prst="rect">
             <a:avLst/>
           </a:prstGeom>
+          <a:ln w="38100" cap="sq">
+            <a:solidFill>
+              <a:srgbClr val="000000"/>
+            </a:solidFill>
+            <a:prstDash val="solid"/>
+            <a:miter lim="800000"/>
+          </a:ln>
+          <a:effectLst>
+            <a:outerShdw blurRad="50800" dist="38100" dir="2700000" algn="tl" rotWithShape="0">
+              <a:srgbClr val="000000">
+                <a:alpha val="43000"/>
+              </a:srgbClr>
+            </a:outerShdw>
+          </a:effectLst>
         </p:spPr>
       </p:pic>
       <p:pic>
@@ -10341,12 +10369,26 @@
         </p:blipFill>
         <p:spPr>
           <a:xfrm>
-            <a:off x="5968228" y="2247174"/>
-            <a:ext cx="1667301" cy="3613369"/>
+            <a:off x="6053131" y="2247171"/>
+            <a:ext cx="1992538" cy="4318222"/>
           </a:xfrm>
           <a:prstGeom prst="rect">
             <a:avLst/>
           </a:prstGeom>
+          <a:ln w="38100" cap="sq">
+            <a:solidFill>
+              <a:srgbClr val="000000"/>
+            </a:solidFill>
+            <a:prstDash val="solid"/>
+            <a:miter lim="800000"/>
+          </a:ln>
+          <a:effectLst>
+            <a:outerShdw blurRad="50800" dist="38100" dir="2700000" algn="tl" rotWithShape="0">
+              <a:srgbClr val="000000">
+                <a:alpha val="43000"/>
+              </a:srgbClr>
+            </a:outerShdw>
+          </a:effectLst>
         </p:spPr>
       </p:pic>
       <p:pic>
@@ -10371,12 +10413,26 @@
         </p:blipFill>
         <p:spPr>
           <a:xfrm>
-            <a:off x="8624229" y="2247174"/>
-            <a:ext cx="1803449" cy="3908427"/>
+            <a:off x="8624229" y="2247172"/>
+            <a:ext cx="1992538" cy="4318220"/>
           </a:xfrm>
           <a:prstGeom prst="rect">
             <a:avLst/>
           </a:prstGeom>
+          <a:ln w="38100" cap="sq">
+            <a:solidFill>
+              <a:srgbClr val="000000"/>
+            </a:solidFill>
+            <a:prstDash val="solid"/>
+            <a:miter lim="800000"/>
+          </a:ln>
+          <a:effectLst>
+            <a:outerShdw blurRad="50800" dist="38100" dir="2700000" algn="tl" rotWithShape="0">
+              <a:srgbClr val="000000">
+                <a:alpha val="43000"/>
+              </a:srgbClr>
+            </a:outerShdw>
+          </a:effectLst>
         </p:spPr>
       </p:pic>
     </p:spTree>
@@ -14590,9 +14646,12 @@
 </file>
 
 <file path=customXml/item1.xml><?xml version="1.0" encoding="utf-8"?>
-<p:properties xmlns:p="http://schemas.microsoft.com/office/2006/metadata/properties" xmlns:xsi="http://www.w3.org/2001/XMLSchema-instance" xmlns:pc="http://schemas.microsoft.com/office/infopath/2007/PartnerControls">
-  <documentManagement/>
-</p:properties>
+<?mso-contentType ?>
+<FormTemplates xmlns="http://schemas.microsoft.com/sharepoint/v3/contenttype/forms">
+  <Display>DocumentLibraryForm</Display>
+  <Edit>DocumentLibraryForm</Edit>
+  <New>DocumentLibraryForm</New>
+</FormTemplates>
 </file>
 
 <file path=customXml/item2.xml><?xml version="1.0" encoding="utf-8"?>
@@ -14728,19 +14787,15 @@
 </file>
 
 <file path=customXml/item3.xml><?xml version="1.0" encoding="utf-8"?>
-<?mso-contentType ?>
-<FormTemplates xmlns="http://schemas.microsoft.com/sharepoint/v3/contenttype/forms">
-  <Display>DocumentLibraryForm</Display>
-  <Edit>DocumentLibraryForm</Edit>
-  <New>DocumentLibraryForm</New>
-</FormTemplates>
+<p:properties xmlns:p="http://schemas.microsoft.com/office/2006/metadata/properties" xmlns:xsi="http://www.w3.org/2001/XMLSchema-instance" xmlns:pc="http://schemas.microsoft.com/office/infopath/2007/PartnerControls">
+  <documentManagement/>
+</p:properties>
 </file>
 
 <file path=customXml/itemProps1.xml><?xml version="1.0" encoding="utf-8"?>
-<ds:datastoreItem xmlns:ds="http://schemas.openxmlformats.org/officeDocument/2006/customXml" ds:itemID="{2730E544-50C2-46C9-A58D-92D5B23B7F2E}">
+<ds:datastoreItem xmlns:ds="http://schemas.openxmlformats.org/officeDocument/2006/customXml" ds:itemID="{55895A41-F65A-4D7F-8780-A8AB39E16755}">
   <ds:schemaRefs>
-    <ds:schemaRef ds:uri="http://schemas.microsoft.com/office/2006/metadata/properties"/>
-    <ds:schemaRef ds:uri="http://schemas.microsoft.com/office/infopath/2007/PartnerControls"/>
+    <ds:schemaRef ds:uri="http://schemas.microsoft.com/sharepoint/v3/contenttype/forms"/>
   </ds:schemaRefs>
 </ds:datastoreItem>
 </file>
@@ -14764,9 +14819,10 @@
 </file>
 
 <file path=customXml/itemProps3.xml><?xml version="1.0" encoding="utf-8"?>
-<ds:datastoreItem xmlns:ds="http://schemas.openxmlformats.org/officeDocument/2006/customXml" ds:itemID="{55895A41-F65A-4D7F-8780-A8AB39E16755}">
+<ds:datastoreItem xmlns:ds="http://schemas.openxmlformats.org/officeDocument/2006/customXml" ds:itemID="{2730E544-50C2-46C9-A58D-92D5B23B7F2E}">
   <ds:schemaRefs>
-    <ds:schemaRef ds:uri="http://schemas.microsoft.com/sharepoint/v3/contenttype/forms"/>
+    <ds:schemaRef ds:uri="http://schemas.microsoft.com/office/2006/metadata/properties"/>
+    <ds:schemaRef ds:uri="http://schemas.microsoft.com/office/infopath/2007/PartnerControls"/>
   </ds:schemaRefs>
 </ds:datastoreItem>
 </file>